--- a/novelTea demo.pptx
+++ b/novelTea demo.pptx
@@ -193,7 +193,7 @@
           <a:p>
             <a:fld id="{5874AEA6-A5AD-A744-A70B-CA82CA3A11E9}" type="datetimeFigureOut">
               <a:rPr lang="en-US" smtClean="0"/>
-              <a:t>3/24/18</a:t>
+              <a:t>3/25/18</a:t>
             </a:fld>
             <a:endParaRPr lang="en-US"/>
           </a:p>
@@ -507,7 +507,40 @@
           <a:p>
             <a:r>
               <a:rPr lang="en-US" dirty="0" smtClean="0"/>
-              <a:t>input</a:t>
+              <a:t>Input</a:t>
+            </a:r>
+          </a:p>
+          <a:p>
+            <a:endParaRPr lang="en-US" dirty="0" smtClean="0"/>
+          </a:p>
+          <a:p>
+            <a:r>
+              <a:rPr lang="en-US" dirty="0" smtClean="0"/>
+              <a:t>Given</a:t>
+            </a:r>
+            <a:r>
+              <a:rPr lang="en-US" baseline="0" dirty="0" smtClean="0"/>
+              <a:t> the input citr, we’ll show the five closest valid flavors and tea names that’s we’ve </a:t>
+            </a:r>
+            <a:r>
+              <a:rPr lang="en-US" baseline="0" dirty="0" err="1" smtClean="0"/>
+              <a:t>precomputed</a:t>
+            </a:r>
+            <a:r>
+              <a:rPr lang="en-US" baseline="0" dirty="0" smtClean="0"/>
+              <a:t>. We many use binary search or a </a:t>
+            </a:r>
+            <a:r>
+              <a:rPr lang="en-US" baseline="0" dirty="0" err="1" smtClean="0"/>
+              <a:t>hashmap</a:t>
+            </a:r>
+            <a:r>
+              <a:rPr lang="en-US" baseline="0" dirty="0" smtClean="0"/>
+              <a:t> to retrieve the valid entry. We’ll use the valid query (say “citrus zest”) and the tea type to use our tea suggestion algorithm to suggest the top teas for the different tea </a:t>
+            </a:r>
+            <a:r>
+              <a:rPr lang="en-US" baseline="0" smtClean="0"/>
+              <a:t>types clicked.</a:t>
             </a:r>
             <a:endParaRPr lang="en-US" dirty="0"/>
           </a:p>
@@ -818,7 +851,7 @@
           <a:p>
             <a:fld id="{4CD54A86-B586-7B4E-8A76-8D75C2A3ADAA}" type="datetimeFigureOut">
               <a:rPr lang="en-US" smtClean="0"/>
-              <a:t>3/24/18</a:t>
+              <a:t>3/25/18</a:t>
             </a:fld>
             <a:endParaRPr lang="en-US"/>
           </a:p>
@@ -988,7 +1021,7 @@
           <a:p>
             <a:fld id="{4CD54A86-B586-7B4E-8A76-8D75C2A3ADAA}" type="datetimeFigureOut">
               <a:rPr lang="en-US" smtClean="0"/>
-              <a:t>3/24/18</a:t>
+              <a:t>3/25/18</a:t>
             </a:fld>
             <a:endParaRPr lang="en-US"/>
           </a:p>
@@ -1168,7 +1201,7 @@
           <a:p>
             <a:fld id="{4CD54A86-B586-7B4E-8A76-8D75C2A3ADAA}" type="datetimeFigureOut">
               <a:rPr lang="en-US" smtClean="0"/>
-              <a:t>3/24/18</a:t>
+              <a:t>3/25/18</a:t>
             </a:fld>
             <a:endParaRPr lang="en-US"/>
           </a:p>
@@ -1338,7 +1371,7 @@
           <a:p>
             <a:fld id="{4CD54A86-B586-7B4E-8A76-8D75C2A3ADAA}" type="datetimeFigureOut">
               <a:rPr lang="en-US" smtClean="0"/>
-              <a:t>3/24/18</a:t>
+              <a:t>3/25/18</a:t>
             </a:fld>
             <a:endParaRPr lang="en-US"/>
           </a:p>
@@ -1584,7 +1617,7 @@
           <a:p>
             <a:fld id="{4CD54A86-B586-7B4E-8A76-8D75C2A3ADAA}" type="datetimeFigureOut">
               <a:rPr lang="en-US" smtClean="0"/>
-              <a:t>3/24/18</a:t>
+              <a:t>3/25/18</a:t>
             </a:fld>
             <a:endParaRPr lang="en-US"/>
           </a:p>
@@ -1872,7 +1905,7 @@
           <a:p>
             <a:fld id="{4CD54A86-B586-7B4E-8A76-8D75C2A3ADAA}" type="datetimeFigureOut">
               <a:rPr lang="en-US" smtClean="0"/>
-              <a:t>3/24/18</a:t>
+              <a:t>3/25/18</a:t>
             </a:fld>
             <a:endParaRPr lang="en-US"/>
           </a:p>
@@ -2294,7 +2327,7 @@
           <a:p>
             <a:fld id="{4CD54A86-B586-7B4E-8A76-8D75C2A3ADAA}" type="datetimeFigureOut">
               <a:rPr lang="en-US" smtClean="0"/>
-              <a:t>3/24/18</a:t>
+              <a:t>3/25/18</a:t>
             </a:fld>
             <a:endParaRPr lang="en-US"/>
           </a:p>
@@ -2412,7 +2445,7 @@
           <a:p>
             <a:fld id="{4CD54A86-B586-7B4E-8A76-8D75C2A3ADAA}" type="datetimeFigureOut">
               <a:rPr lang="en-US" smtClean="0"/>
-              <a:t>3/24/18</a:t>
+              <a:t>3/25/18</a:t>
             </a:fld>
             <a:endParaRPr lang="en-US"/>
           </a:p>
@@ -2507,7 +2540,7 @@
           <a:p>
             <a:fld id="{4CD54A86-B586-7B4E-8A76-8D75C2A3ADAA}" type="datetimeFigureOut">
               <a:rPr lang="en-US" smtClean="0"/>
-              <a:t>3/24/18</a:t>
+              <a:t>3/25/18</a:t>
             </a:fld>
             <a:endParaRPr lang="en-US"/>
           </a:p>
@@ -2784,7 +2817,7 @@
           <a:p>
             <a:fld id="{4CD54A86-B586-7B4E-8A76-8D75C2A3ADAA}" type="datetimeFigureOut">
               <a:rPr lang="en-US" smtClean="0"/>
-              <a:t>3/24/18</a:t>
+              <a:t>3/25/18</a:t>
             </a:fld>
             <a:endParaRPr lang="en-US"/>
           </a:p>
@@ -3037,7 +3070,7 @@
           <a:p>
             <a:fld id="{4CD54A86-B586-7B4E-8A76-8D75C2A3ADAA}" type="datetimeFigureOut">
               <a:rPr lang="en-US" smtClean="0"/>
-              <a:t>3/24/18</a:t>
+              <a:t>3/25/18</a:t>
             </a:fld>
             <a:endParaRPr lang="en-US"/>
           </a:p>
@@ -3250,7 +3283,7 @@
           <a:p>
             <a:fld id="{4CD54A86-B586-7B4E-8A76-8D75C2A3ADAA}" type="datetimeFigureOut">
               <a:rPr lang="en-US" smtClean="0"/>
-              <a:t>3/24/18</a:t>
+              <a:t>3/25/18</a:t>
             </a:fld>
             <a:endParaRPr lang="en-US"/>
           </a:p>
